--- a/PPT/6. GraphQL 과 PostgreSQL 연동/2. Mutation.pptx
+++ b/PPT/6. GraphQL 과 PostgreSQL 연동/2. Mutation.pptx
@@ -106,6 +106,11 @@
       </a:defRPr>
     </a:lvl9pPr>
   </p:defaultTextStyle>
+  <p:extLst>
+    <p:ext uri="{EFAFB233-063F-42B5-8137-9DF3F51BA10A}">
+      <p15:sldGuideLst xmlns:p15="http://schemas.microsoft.com/office/powerpoint/2012/main"/>
+    </p:ext>
+  </p:extLst>
 </p:presentation>
 </file>
 
@@ -256,7 +261,7 @@
           <a:p>
             <a:fld id="{04104D58-FB98-46D6-83C3-F2ECAD11D3B3}" type="datetimeFigureOut">
               <a:rPr lang="ko-KR" altLang="en-US" smtClean="0"/>
-              <a:t>2021-07-15</a:t>
+              <a:t>2021-07-21</a:t>
             </a:fld>
             <a:endParaRPr lang="ko-KR" altLang="en-US"/>
           </a:p>
@@ -454,7 +459,7 @@
           <a:p>
             <a:fld id="{04104D58-FB98-46D6-83C3-F2ECAD11D3B3}" type="datetimeFigureOut">
               <a:rPr lang="ko-KR" altLang="en-US" smtClean="0"/>
-              <a:t>2021-07-15</a:t>
+              <a:t>2021-07-21</a:t>
             </a:fld>
             <a:endParaRPr lang="ko-KR" altLang="en-US"/>
           </a:p>
@@ -662,7 +667,7 @@
           <a:p>
             <a:fld id="{04104D58-FB98-46D6-83C3-F2ECAD11D3B3}" type="datetimeFigureOut">
               <a:rPr lang="ko-KR" altLang="en-US" smtClean="0"/>
-              <a:t>2021-07-15</a:t>
+              <a:t>2021-07-21</a:t>
             </a:fld>
             <a:endParaRPr lang="ko-KR" altLang="en-US"/>
           </a:p>
@@ -860,7 +865,7 @@
           <a:p>
             <a:fld id="{04104D58-FB98-46D6-83C3-F2ECAD11D3B3}" type="datetimeFigureOut">
               <a:rPr lang="ko-KR" altLang="en-US" smtClean="0"/>
-              <a:t>2021-07-15</a:t>
+              <a:t>2021-07-21</a:t>
             </a:fld>
             <a:endParaRPr lang="ko-KR" altLang="en-US"/>
           </a:p>
@@ -1135,7 +1140,7 @@
           <a:p>
             <a:fld id="{04104D58-FB98-46D6-83C3-F2ECAD11D3B3}" type="datetimeFigureOut">
               <a:rPr lang="ko-KR" altLang="en-US" smtClean="0"/>
-              <a:t>2021-07-15</a:t>
+              <a:t>2021-07-21</a:t>
             </a:fld>
             <a:endParaRPr lang="ko-KR" altLang="en-US"/>
           </a:p>
@@ -1400,7 +1405,7 @@
           <a:p>
             <a:fld id="{04104D58-FB98-46D6-83C3-F2ECAD11D3B3}" type="datetimeFigureOut">
               <a:rPr lang="ko-KR" altLang="en-US" smtClean="0"/>
-              <a:t>2021-07-15</a:t>
+              <a:t>2021-07-21</a:t>
             </a:fld>
             <a:endParaRPr lang="ko-KR" altLang="en-US"/>
           </a:p>
@@ -1812,7 +1817,7 @@
           <a:p>
             <a:fld id="{04104D58-FB98-46D6-83C3-F2ECAD11D3B3}" type="datetimeFigureOut">
               <a:rPr lang="ko-KR" altLang="en-US" smtClean="0"/>
-              <a:t>2021-07-15</a:t>
+              <a:t>2021-07-21</a:t>
             </a:fld>
             <a:endParaRPr lang="ko-KR" altLang="en-US"/>
           </a:p>
@@ -1953,7 +1958,7 @@
           <a:p>
             <a:fld id="{04104D58-FB98-46D6-83C3-F2ECAD11D3B3}" type="datetimeFigureOut">
               <a:rPr lang="ko-KR" altLang="en-US" smtClean="0"/>
-              <a:t>2021-07-15</a:t>
+              <a:t>2021-07-21</a:t>
             </a:fld>
             <a:endParaRPr lang="ko-KR" altLang="en-US"/>
           </a:p>
@@ -2066,7 +2071,7 @@
           <a:p>
             <a:fld id="{04104D58-FB98-46D6-83C3-F2ECAD11D3B3}" type="datetimeFigureOut">
               <a:rPr lang="ko-KR" altLang="en-US" smtClean="0"/>
-              <a:t>2021-07-15</a:t>
+              <a:t>2021-07-21</a:t>
             </a:fld>
             <a:endParaRPr lang="ko-KR" altLang="en-US"/>
           </a:p>
@@ -2377,7 +2382,7 @@
           <a:p>
             <a:fld id="{04104D58-FB98-46D6-83C3-F2ECAD11D3B3}" type="datetimeFigureOut">
               <a:rPr lang="ko-KR" altLang="en-US" smtClean="0"/>
-              <a:t>2021-07-15</a:t>
+              <a:t>2021-07-21</a:t>
             </a:fld>
             <a:endParaRPr lang="ko-KR" altLang="en-US"/>
           </a:p>
@@ -2665,7 +2670,7 @@
           <a:p>
             <a:fld id="{04104D58-FB98-46D6-83C3-F2ECAD11D3B3}" type="datetimeFigureOut">
               <a:rPr lang="ko-KR" altLang="en-US" smtClean="0"/>
-              <a:t>2021-07-15</a:t>
+              <a:t>2021-07-21</a:t>
             </a:fld>
             <a:endParaRPr lang="ko-KR" altLang="en-US"/>
           </a:p>
@@ -2906,7 +2911,7 @@
           <a:p>
             <a:fld id="{04104D58-FB98-46D6-83C3-F2ECAD11D3B3}" type="datetimeFigureOut">
               <a:rPr lang="ko-KR" altLang="en-US" smtClean="0"/>
-              <a:t>2021-07-15</a:t>
+              <a:t>2021-07-21</a:t>
             </a:fld>
             <a:endParaRPr lang="ko-KR" altLang="en-US"/>
           </a:p>
@@ -4143,7 +4148,7 @@
         <p:spPr>
           <a:xfrm>
             <a:off x="8018481" y="4723002"/>
-            <a:ext cx="3416256" cy="1200329"/>
+            <a:ext cx="3416256" cy="1477328"/>
           </a:xfrm>
           <a:prstGeom prst="rect">
             <a:avLst/>
@@ -4180,13 +4185,32 @@
             <a:endParaRPr lang="en-US" altLang="ko-KR"/>
           </a:p>
           <a:p>
+            <a:pPr marL="285750" indent="-285750">
+              <a:buFont typeface="Arial" panose="020B0604020202020204" pitchFamily="34" charset="0"/>
+              <a:buChar char="•"/>
+            </a:pPr>
             <a:r>
               <a:rPr lang="en-US" altLang="ko-KR"/>
-              <a:t>* fetch : </a:t>
+              <a:t>fetch : </a:t>
             </a:r>
             <a:r>
               <a:rPr lang="ko-KR" altLang="en-US"/>
               <a:t>가지고 오다</a:t>
+            </a:r>
+            <a:endParaRPr lang="en-US" altLang="ko-KR"/>
+          </a:p>
+          <a:p>
+            <a:pPr marL="285750" indent="-285750">
+              <a:buFont typeface="Arial" panose="020B0604020202020204" pitchFamily="34" charset="0"/>
+              <a:buChar char="•"/>
+            </a:pPr>
+            <a:r>
+              <a:rPr lang="en-US" altLang="ko-KR"/>
+              <a:t>patch : </a:t>
+            </a:r>
+            <a:r>
+              <a:rPr lang="ko-KR" altLang="en-US"/>
+              <a:t>프로그램을 수정하다</a:t>
             </a:r>
           </a:p>
         </p:txBody>
@@ -4513,64 +4537,6 @@
           </a:prstGeom>
         </p:spPr>
       </p:pic>
-      <p:sp>
-        <p:nvSpPr>
-          <p:cNvPr id="22" name="TextBox 21">
-            <a:extLst>
-              <a:ext uri="{FF2B5EF4-FFF2-40B4-BE49-F238E27FC236}">
-                <a16:creationId xmlns:a16="http://schemas.microsoft.com/office/drawing/2014/main" id="{1D9FECB5-419C-4190-A649-8533410041AD}"/>
-              </a:ext>
-            </a:extLst>
-          </p:cNvPr>
-          <p:cNvSpPr txBox="1"/>
-          <p:nvPr/>
-        </p:nvSpPr>
-        <p:spPr>
-          <a:xfrm>
-            <a:off x="3716323" y="2667699"/>
-            <a:ext cx="2103333" cy="646331"/>
-          </a:xfrm>
-          <a:prstGeom prst="rect">
-            <a:avLst/>
-          </a:prstGeom>
-          <a:noFill/>
-        </p:spPr>
-        <p:txBody>
-          <a:bodyPr wrap="none" rtlCol="0">
-            <a:spAutoFit/>
-          </a:bodyPr>
-          <a:lstStyle/>
-          <a:p>
-            <a:pPr marL="285750" indent="-285750">
-              <a:buFont typeface="Arial" panose="020B0604020202020204" pitchFamily="34" charset="0"/>
-              <a:buChar char="•"/>
-            </a:pPr>
-            <a:r>
-              <a:rPr lang="en-US" altLang="ko-KR"/>
-              <a:t>fatch: </a:t>
-            </a:r>
-            <a:r>
-              <a:rPr lang="ko-KR" altLang="en-US"/>
-              <a:t>가져오다</a:t>
-            </a:r>
-            <a:endParaRPr lang="en-US" altLang="ko-KR"/>
-          </a:p>
-          <a:p>
-            <a:pPr marL="285750" indent="-285750">
-              <a:buFont typeface="Arial" panose="020B0604020202020204" pitchFamily="34" charset="0"/>
-              <a:buChar char="•"/>
-            </a:pPr>
-            <a:r>
-              <a:rPr lang="en-US" altLang="ko-KR"/>
-              <a:t>patch: </a:t>
-            </a:r>
-            <a:r>
-              <a:rPr lang="ko-KR" altLang="en-US"/>
-              <a:t>수정하다</a:t>
-            </a:r>
-          </a:p>
-        </p:txBody>
-      </p:sp>
     </p:spTree>
     <p:extLst>
       <p:ext uri="{BB962C8B-B14F-4D97-AF65-F5344CB8AC3E}">
